--- a/工作汇报/工作汇报.pptx
+++ b/工作汇报/工作汇报.pptx
@@ -1,19 +1,19 @@
 
 <file path=ppt/presentation.xml><?xml version="1.0" encoding="utf-8"?>
-<p:presentation xmlns:a="http://schemas.openxmlformats.org/drawingml/2006/main" xmlns:r="http://schemas.openxmlformats.org/officeDocument/2006/relationships" xmlns:p="http://schemas.openxmlformats.org/presentationml/2006/main" saveSubsetFonts="1" autoCompressPictures="0">
+<p:presentation xmlns:a="http://schemas.openxmlformats.org/drawingml/2006/main" xmlns:r="http://schemas.openxmlformats.org/officeDocument/2006/relationships" xmlns:p="http://schemas.openxmlformats.org/presentationml/2006/main" autoCompressPictures="0">
   <p:sldMasterIdLst>
     <p:sldMasterId id="2147483648" r:id="rId1"/>
   </p:sldMasterIdLst>
+  <p:notesMasterIdLst>
+    <p:notesMasterId r:id="rId4"/>
+  </p:notesMasterIdLst>
   <p:sldIdLst>
-    <p:sldId id="256" r:id="rId2"/>
-    <p:sldId id="257" r:id="rId3"/>
-    <p:sldId id="258" r:id="rId4"/>
-    <p:sldId id="259" r:id="rId5"/>
-    <p:sldId id="260" r:id="rId6"/>
+    <p:sldId id="256" r:id="rId3"/>
+    <p:sldId id="257" r:id="rId5"/>
+    <p:sldId id="258" r:id="rId6"/>
+    <p:sldId id="259" r:id="rId7"/>
+    <p:sldId id="260" r:id="rId8"/>
   </p:sldIdLst>
-  <p:notesMasterIdLst>
-    <p:notesMasterId r:id="rId7"/>
-  </p:notesMasterIdLst>
   <p:sldSz cx="9144000" cy="6858000"/>
   <p:notesSz cx="6858000" cy="9144000"/>
   <p:defaultTextStyle>
@@ -193,7 +193,6 @@
           <a:p>
             <a:fld id="{5282F153-3F37-0F45-9E97-73ACFA13230C}" type="datetimeFigureOut">
               <a:rPr lang="en-US"/>
-              <a:t>7/23/19</a:t>
             </a:fld>
             <a:endParaRPr lang="en-US"/>
           </a:p>
@@ -260,6 +259,7 @@
               <a:rPr lang="en-US"/>
               <a:t>Click to edit Master text styles</a:t>
             </a:r>
+            <a:endParaRPr lang="en-US"/>
           </a:p>
           <a:p>
             <a:pPr lvl="1"/>
@@ -267,6 +267,7 @@
               <a:rPr lang="en-US"/>
               <a:t>Second level</a:t>
             </a:r>
+            <a:endParaRPr lang="en-US"/>
           </a:p>
           <a:p>
             <a:pPr lvl="2"/>
@@ -274,6 +275,7 @@
               <a:rPr lang="en-US"/>
               <a:t>Third level</a:t>
             </a:r>
+            <a:endParaRPr lang="en-US"/>
           </a:p>
           <a:p>
             <a:pPr lvl="3"/>
@@ -281,6 +283,7 @@
               <a:rPr lang="en-US"/>
               <a:t>Fourth level</a:t>
             </a:r>
+            <a:endParaRPr lang="en-US"/>
           </a:p>
           <a:p>
             <a:pPr lvl="4"/>
@@ -288,6 +291,7 @@
               <a:rPr lang="en-US"/>
               <a:t>Fifth level</a:t>
             </a:r>
+            <a:endParaRPr lang="en-US"/>
           </a:p>
         </p:txBody>
       </p:sp>
@@ -351,18 +355,12 @@
           <a:p>
             <a:fld id="{CE5E9CC1-C706-0F49-92D6-E571CC5EEA8F}" type="slidenum">
               <a:rPr lang="en-US"/>
-              <a:t>‹#›</a:t>
             </a:fld>
             <a:endParaRPr lang="en-US"/>
           </a:p>
         </p:txBody>
       </p:sp>
     </p:spTree>
-    <p:extLst>
-      <p:ext uri="{BB962C8B-B14F-4D97-AF65-F5344CB8AC3E}">
-        <p14:creationId xmlns:p14="http://schemas.microsoft.com/office/powerpoint/2010/main" val="1024086991"/>
-      </p:ext>
-    </p:extLst>
   </p:cSld>
   <p:clrMap bg1="lt1" tx1="dk1" bg2="lt2" tx2="dk2" accent1="accent1" accent2="accent2" accent3="accent3" accent4="accent4" accent5="accent5" accent6="accent6" hlink="hlink" folHlink="folHlink"/>
   <p:notesStyle>
@@ -504,10 +502,6 @@
           <a:bodyPr/>
           <a:lstStyle/>
           <a:p>
-            <a:r>
-              <a:rPr lang="en-US" dirty="0"/>
-              <a:t/>
-            </a:r>
             <a:endParaRPr lang="en-US" dirty="0"/>
           </a:p>
         </p:txBody>
@@ -529,18 +523,12 @@
           <a:p>
             <a:fld id="{F7021451-1387-4CA6-816F-3879F97B5CBC}" type="slidenum">
               <a:rPr lang="en-US"/>
-              <a:t>1</a:t>
             </a:fld>
             <a:endParaRPr lang="en-US"/>
           </a:p>
         </p:txBody>
       </p:sp>
     </p:spTree>
-    <p:extLst>
-      <p:ext uri="{BB962C8B-B14F-4D97-AF65-F5344CB8AC3E}">
-        <p14:creationId xmlns:p14="http://schemas.microsoft.com/office/powerpoint/2010/main" val="1024086991"/>
-      </p:ext>
-    </p:extLst>
   </p:cSld>
   <p:clrMapOvr>
     <a:masterClrMapping/>
@@ -592,10 +580,6 @@
           <a:bodyPr/>
           <a:lstStyle/>
           <a:p>
-            <a:r>
-              <a:rPr lang="en-US" dirty="0"/>
-              <a:t/>
-            </a:r>
             <a:endParaRPr lang="en-US" dirty="0"/>
           </a:p>
         </p:txBody>
@@ -617,18 +601,12 @@
           <a:p>
             <a:fld id="{F7021451-1387-4CA6-816F-3879F97B5CBC}" type="slidenum">
               <a:rPr lang="en-US"/>
-              <a:t>2</a:t>
             </a:fld>
             <a:endParaRPr lang="en-US"/>
           </a:p>
         </p:txBody>
       </p:sp>
     </p:spTree>
-    <p:extLst>
-      <p:ext uri="{BB962C8B-B14F-4D97-AF65-F5344CB8AC3E}">
-        <p14:creationId xmlns:p14="http://schemas.microsoft.com/office/powerpoint/2010/main" val="1024086991"/>
-      </p:ext>
-    </p:extLst>
   </p:cSld>
   <p:clrMapOvr>
     <a:masterClrMapping/>
@@ -680,10 +658,6 @@
           <a:bodyPr/>
           <a:lstStyle/>
           <a:p>
-            <a:r>
-              <a:rPr lang="en-US" dirty="0"/>
-              <a:t/>
-            </a:r>
             <a:endParaRPr lang="en-US" dirty="0"/>
           </a:p>
         </p:txBody>
@@ -705,18 +679,12 @@
           <a:p>
             <a:fld id="{F7021451-1387-4CA6-816F-3879F97B5CBC}" type="slidenum">
               <a:rPr lang="en-US"/>
-              <a:t>3</a:t>
             </a:fld>
             <a:endParaRPr lang="en-US"/>
           </a:p>
         </p:txBody>
       </p:sp>
     </p:spTree>
-    <p:extLst>
-      <p:ext uri="{BB962C8B-B14F-4D97-AF65-F5344CB8AC3E}">
-        <p14:creationId xmlns:p14="http://schemas.microsoft.com/office/powerpoint/2010/main" val="1024086991"/>
-      </p:ext>
-    </p:extLst>
   </p:cSld>
   <p:clrMapOvr>
     <a:masterClrMapping/>
@@ -768,10 +736,6 @@
           <a:bodyPr/>
           <a:lstStyle/>
           <a:p>
-            <a:r>
-              <a:rPr lang="en-US" dirty="0"/>
-              <a:t/>
-            </a:r>
             <a:endParaRPr lang="en-US" dirty="0"/>
           </a:p>
         </p:txBody>
@@ -793,18 +757,12 @@
           <a:p>
             <a:fld id="{F7021451-1387-4CA6-816F-3879F97B5CBC}" type="slidenum">
               <a:rPr lang="en-US"/>
-              <a:t>4</a:t>
             </a:fld>
             <a:endParaRPr lang="en-US"/>
           </a:p>
         </p:txBody>
       </p:sp>
     </p:spTree>
-    <p:extLst>
-      <p:ext uri="{BB962C8B-B14F-4D97-AF65-F5344CB8AC3E}">
-        <p14:creationId xmlns:p14="http://schemas.microsoft.com/office/powerpoint/2010/main" val="1024086991"/>
-      </p:ext>
-    </p:extLst>
   </p:cSld>
   <p:clrMapOvr>
     <a:masterClrMapping/>
@@ -856,10 +814,6 @@
           <a:bodyPr/>
           <a:lstStyle/>
           <a:p>
-            <a:r>
-              <a:rPr lang="en-US" dirty="0"/>
-              <a:t/>
-            </a:r>
             <a:endParaRPr lang="en-US" dirty="0"/>
           </a:p>
         </p:txBody>
@@ -881,18 +835,12 @@
           <a:p>
             <a:fld id="{F7021451-1387-4CA6-816F-3879F97B5CBC}" type="slidenum">
               <a:rPr lang="en-US"/>
-              <a:t>5</a:t>
             </a:fld>
             <a:endParaRPr lang="en-US"/>
           </a:p>
         </p:txBody>
       </p:sp>
     </p:spTree>
-    <p:extLst>
-      <p:ext uri="{BB962C8B-B14F-4D97-AF65-F5344CB8AC3E}">
-        <p14:creationId xmlns:p14="http://schemas.microsoft.com/office/powerpoint/2010/main" val="1024086991"/>
-      </p:ext>
-    </p:extLst>
   </p:cSld>
   <p:clrMapOvr>
     <a:masterClrMapping/>
@@ -933,6 +881,11 @@
 <file path=ppt/slideMasters/slideMaster1.xml><?xml version="1.0" encoding="utf-8"?>
 <p:sldMaster xmlns:a="http://schemas.openxmlformats.org/drawingml/2006/main" xmlns:r="http://schemas.openxmlformats.org/officeDocument/2006/relationships" xmlns:p="http://schemas.openxmlformats.org/presentationml/2006/main">
   <p:cSld>
+    <p:bg>
+      <p:bgRef idx="1001">
+        <a:schemeClr val="bg1"/>
+      </p:bgRef>
+    </p:bg>
     <p:spTree>
       <p:nvGrpSpPr>
         <p:cNvPr id="1" name=""/>
@@ -976,7 +929,7 @@
         <a:spcBef>
           <a:spcPct val="20000"/>
         </a:spcBef>
-        <a:buFont typeface="Arial" pitchFamily="34" charset="0"/>
+        <a:buFont typeface="Arial" panose="020B0604020202020204" pitchFamily="34" charset="0"/>
         <a:buChar char="•"/>
         <a:defRPr sz="3200" kern="1200">
           <a:solidFill>
@@ -991,7 +944,7 @@
         <a:spcBef>
           <a:spcPct val="20000"/>
         </a:spcBef>
-        <a:buFont typeface="Arial" pitchFamily="34" charset="0"/>
+        <a:buFont typeface="Arial" panose="020B0604020202020204" pitchFamily="34" charset="0"/>
         <a:buChar char="–"/>
         <a:defRPr sz="2800" kern="1200">
           <a:solidFill>
@@ -1006,7 +959,7 @@
         <a:spcBef>
           <a:spcPct val="20000"/>
         </a:spcBef>
-        <a:buFont typeface="Arial" pitchFamily="34" charset="0"/>
+        <a:buFont typeface="Arial" panose="020B0604020202020204" pitchFamily="34" charset="0"/>
         <a:buChar char="•"/>
         <a:defRPr sz="2400" kern="1200">
           <a:solidFill>
@@ -1021,7 +974,7 @@
         <a:spcBef>
           <a:spcPct val="20000"/>
         </a:spcBef>
-        <a:buFont typeface="Arial" pitchFamily="34" charset="0"/>
+        <a:buFont typeface="Arial" panose="020B0604020202020204" pitchFamily="34" charset="0"/>
         <a:buChar char="–"/>
         <a:defRPr sz="2000" kern="1200">
           <a:solidFill>
@@ -1036,7 +989,7 @@
         <a:spcBef>
           <a:spcPct val="20000"/>
         </a:spcBef>
-        <a:buFont typeface="Arial" pitchFamily="34" charset="0"/>
+        <a:buFont typeface="Arial" panose="020B0604020202020204" pitchFamily="34" charset="0"/>
         <a:buChar char="»"/>
         <a:defRPr sz="2000" kern="1200">
           <a:solidFill>
@@ -1051,7 +1004,7 @@
         <a:spcBef>
           <a:spcPct val="20000"/>
         </a:spcBef>
-        <a:buFont typeface="Arial" pitchFamily="34" charset="0"/>
+        <a:buFont typeface="Arial" panose="020B0604020202020204" pitchFamily="34" charset="0"/>
         <a:buChar char="•"/>
         <a:defRPr sz="2000" kern="1200">
           <a:solidFill>
@@ -1066,7 +1019,7 @@
         <a:spcBef>
           <a:spcPct val="20000"/>
         </a:spcBef>
-        <a:buFont typeface="Arial" pitchFamily="34" charset="0"/>
+        <a:buFont typeface="Arial" panose="020B0604020202020204" pitchFamily="34" charset="0"/>
         <a:buChar char="•"/>
         <a:defRPr sz="2000" kern="1200">
           <a:solidFill>
@@ -1081,7 +1034,7 @@
         <a:spcBef>
           <a:spcPct val="20000"/>
         </a:spcBef>
-        <a:buFont typeface="Arial" pitchFamily="34" charset="0"/>
+        <a:buFont typeface="Arial" panose="020B0604020202020204" pitchFamily="34" charset="0"/>
         <a:buChar char="•"/>
         <a:defRPr sz="2000" kern="1200">
           <a:solidFill>
@@ -1096,7 +1049,7 @@
         <a:spcBef>
           <a:spcPct val="20000"/>
         </a:spcBef>
-        <a:buFont typeface="Arial" pitchFamily="34" charset="0"/>
+        <a:buFont typeface="Arial" panose="020B0604020202020204" pitchFamily="34" charset="0"/>
         <a:buChar char="•"/>
         <a:defRPr sz="2000" kern="1200">
           <a:solidFill>
@@ -1209,7 +1162,7 @@
 
 <file path=ppt/slides/slide1.xml><?xml version="1.0" encoding="utf-8"?>
 <p:sld xmlns:a="http://schemas.openxmlformats.org/drawingml/2006/main" xmlns:r="http://schemas.openxmlformats.org/officeDocument/2006/relationships" xmlns:p="http://schemas.openxmlformats.org/presentationml/2006/main">
-  <p:cSld name="Slide 1">
+  <p:cSld>
     <p:bg>
       <p:bgPr>
         <a:blipFill dpi="0" rotWithShape="1">
@@ -1248,7 +1201,7 @@
 
 <file path=ppt/slides/slide2.xml><?xml version="1.0" encoding="utf-8"?>
 <p:sld xmlns:a="http://schemas.openxmlformats.org/drawingml/2006/main" xmlns:r="http://schemas.openxmlformats.org/officeDocument/2006/relationships" xmlns:p="http://schemas.openxmlformats.org/presentationml/2006/main">
-  <p:cSld name="Slide 2">
+  <p:cSld>
     <p:bg>
       <p:bgPr>
         <a:blipFill dpi="0" rotWithShape="1">
@@ -1287,7 +1240,7 @@
 
 <file path=ppt/slides/slide3.xml><?xml version="1.0" encoding="utf-8"?>
 <p:sld xmlns:a="http://schemas.openxmlformats.org/drawingml/2006/main" xmlns:r="http://schemas.openxmlformats.org/officeDocument/2006/relationships" xmlns:p="http://schemas.openxmlformats.org/presentationml/2006/main">
-  <p:cSld name="Slide 3">
+  <p:cSld>
     <p:bg>
       <p:bgPr>
         <a:blipFill dpi="0" rotWithShape="1">
@@ -1326,7 +1279,7 @@
 
 <file path=ppt/slides/slide4.xml><?xml version="1.0" encoding="utf-8"?>
 <p:sld xmlns:a="http://schemas.openxmlformats.org/drawingml/2006/main" xmlns:r="http://schemas.openxmlformats.org/officeDocument/2006/relationships" xmlns:p="http://schemas.openxmlformats.org/presentationml/2006/main">
-  <p:cSld name="Slide 4">
+  <p:cSld>
     <p:bg>
       <p:bgPr>
         <a:blipFill dpi="0" rotWithShape="1">
@@ -1365,7 +1318,7 @@
 
 <file path=ppt/slides/slide5.xml><?xml version="1.0" encoding="utf-8"?>
 <p:sld xmlns:a="http://schemas.openxmlformats.org/drawingml/2006/main" xmlns:r="http://schemas.openxmlformats.org/officeDocument/2006/relationships" xmlns:p="http://schemas.openxmlformats.org/presentationml/2006/main">
-  <p:cSld name="Slide 5">
+  <p:cSld>
     <p:bg>
       <p:bgPr>
         <a:blipFill dpi="0" rotWithShape="1">
@@ -1445,7 +1398,7 @@
     </a:clrScheme>
     <a:fontScheme name="Office">
       <a:majorFont>
-        <a:latin typeface="Calibri Light" panose="020F0302020204030204"/>
+        <a:latin typeface="Calibri Light"/>
         <a:ea typeface=""/>
         <a:cs typeface=""/>
         <a:font script="Jpan" typeface="游ゴシック Light"/>
@@ -1478,26 +1431,9 @@
         <a:font script="Viet" typeface="Times New Roman"/>
         <a:font script="Uigh" typeface="Microsoft Uighur"/>
         <a:font script="Geor" typeface="Sylfaen"/>
-        <a:font script="Armn" typeface="Arial"/>
-        <a:font script="Bugi" typeface="Leelawadee UI"/>
-        <a:font script="Bopo" typeface="Microsoft JhengHei"/>
-        <a:font script="Java" typeface="Javanese Text"/>
-        <a:font script="Lisu" typeface="Segoe UI"/>
-        <a:font script="Mymr" typeface="Myanmar Text"/>
-        <a:font script="Nkoo" typeface="Ebrima"/>
-        <a:font script="Olck" typeface="Nirmala UI"/>
-        <a:font script="Osma" typeface="Ebrima"/>
-        <a:font script="Phag" typeface="Phagspa"/>
-        <a:font script="Syrn" typeface="Estrangelo Edessa"/>
-        <a:font script="Syrj" typeface="Estrangelo Edessa"/>
-        <a:font script="Syre" typeface="Estrangelo Edessa"/>
-        <a:font script="Sora" typeface="Nirmala UI"/>
-        <a:font script="Tale" typeface="Microsoft Tai Le"/>
-        <a:font script="Talu" typeface="Microsoft New Tai Lue"/>
-        <a:font script="Tfng" typeface="Ebrima"/>
       </a:majorFont>
       <a:minorFont>
-        <a:latin typeface="Calibri" panose="020F0502020204030204"/>
+        <a:latin typeface="Calibri"/>
         <a:ea typeface=""/>
         <a:cs typeface=""/>
         <a:font script="Jpan" typeface="游ゴシック"/>
@@ -1530,23 +1466,6 @@
         <a:font script="Viet" typeface="Arial"/>
         <a:font script="Uigh" typeface="Microsoft Uighur"/>
         <a:font script="Geor" typeface="Sylfaen"/>
-        <a:font script="Armn" typeface="Arial"/>
-        <a:font script="Bugi" typeface="Leelawadee UI"/>
-        <a:font script="Bopo" typeface="Microsoft JhengHei"/>
-        <a:font script="Java" typeface="Javanese Text"/>
-        <a:font script="Lisu" typeface="Segoe UI"/>
-        <a:font script="Mymr" typeface="Myanmar Text"/>
-        <a:font script="Nkoo" typeface="Ebrima"/>
-        <a:font script="Olck" typeface="Nirmala UI"/>
-        <a:font script="Osma" typeface="Ebrima"/>
-        <a:font script="Phag" typeface="Phagspa"/>
-        <a:font script="Syrn" typeface="Estrangelo Edessa"/>
-        <a:font script="Syrj" typeface="Estrangelo Edessa"/>
-        <a:font script="Syre" typeface="Estrangelo Edessa"/>
-        <a:font script="Sora" typeface="Nirmala UI"/>
-        <a:font script="Tale" typeface="Microsoft Tai Le"/>
-        <a:font script="Talu" typeface="Microsoft New Tai Lue"/>
-        <a:font script="Tfng" typeface="Ebrima"/>
       </a:minorFont>
     </a:fontScheme>
     <a:fmtScheme name="Office">
@@ -1687,8 +1606,265 @@
       </a:bgFillStyleLst>
     </a:fmtScheme>
   </a:themeElements>
-  <a:objectDefaults/>
-  <a:extraClrSchemeLst/>
+  <a:extLst>
+    <a:ext uri="{05A4C25C-085E-4340-85A3-A5531E510DB2}">
+      <thm15:themeFamily xmlns:thm15="http://schemas.microsoft.com/office/thememl/2012/main" name="Office Theme" id="{62F939B6-93AF-4DB8-9C6B-D6C7DFDC589F}" vid="{4A3C46E8-61CC-4603-A589-7422A47A8E4A}"/>
+    </a:ext>
+  </a:extLst>
+</a:theme>
+</file>
+
+<file path=ppt/theme/theme2.xml><?xml version="1.0" encoding="utf-8"?>
+<a:theme xmlns:a="http://schemas.openxmlformats.org/drawingml/2006/main" name="Office Theme">
+  <a:themeElements>
+    <a:clrScheme name="Office">
+      <a:dk1>
+        <a:sysClr val="windowText" lastClr="000000"/>
+      </a:dk1>
+      <a:lt1>
+        <a:sysClr val="window" lastClr="FFFFFF"/>
+      </a:lt1>
+      <a:dk2>
+        <a:srgbClr val="44546A"/>
+      </a:dk2>
+      <a:lt2>
+        <a:srgbClr val="E7E6E6"/>
+      </a:lt2>
+      <a:accent1>
+        <a:srgbClr val="4472C4"/>
+      </a:accent1>
+      <a:accent2>
+        <a:srgbClr val="ED7D31"/>
+      </a:accent2>
+      <a:accent3>
+        <a:srgbClr val="A5A5A5"/>
+      </a:accent3>
+      <a:accent4>
+        <a:srgbClr val="FFC000"/>
+      </a:accent4>
+      <a:accent5>
+        <a:srgbClr val="5B9BD5"/>
+      </a:accent5>
+      <a:accent6>
+        <a:srgbClr val="70AD47"/>
+      </a:accent6>
+      <a:hlink>
+        <a:srgbClr val="0563C1"/>
+      </a:hlink>
+      <a:folHlink>
+        <a:srgbClr val="954F72"/>
+      </a:folHlink>
+    </a:clrScheme>
+    <a:fontScheme name="Office">
+      <a:majorFont>
+        <a:latin typeface="Calibri Light"/>
+        <a:ea typeface=""/>
+        <a:cs typeface=""/>
+        <a:font script="Jpan" typeface="游ゴシック Light"/>
+        <a:font script="Hang" typeface="맑은 고딕"/>
+        <a:font script="Hans" typeface="等线 Light"/>
+        <a:font script="Hant" typeface="新細明體"/>
+        <a:font script="Arab" typeface="Times New Roman"/>
+        <a:font script="Hebr" typeface="Times New Roman"/>
+        <a:font script="Thai" typeface="Angsana New"/>
+        <a:font script="Ethi" typeface="Nyala"/>
+        <a:font script="Beng" typeface="Vrinda"/>
+        <a:font script="Gujr" typeface="Shruti"/>
+        <a:font script="Khmr" typeface="MoolBoran"/>
+        <a:font script="Knda" typeface="Tunga"/>
+        <a:font script="Guru" typeface="Raavi"/>
+        <a:font script="Cans" typeface="Euphemia"/>
+        <a:font script="Cher" typeface="Plantagenet Cherokee"/>
+        <a:font script="Yiii" typeface="Microsoft Yi Baiti"/>
+        <a:font script="Tibt" typeface="Microsoft Himalaya"/>
+        <a:font script="Thaa" typeface="MV Boli"/>
+        <a:font script="Deva" typeface="Mangal"/>
+        <a:font script="Telu" typeface="Gautami"/>
+        <a:font script="Taml" typeface="Latha"/>
+        <a:font script="Syrc" typeface="Estrangelo Edessa"/>
+        <a:font script="Orya" typeface="Kalinga"/>
+        <a:font script="Mlym" typeface="Kartika"/>
+        <a:font script="Laoo" typeface="DokChampa"/>
+        <a:font script="Sinh" typeface="Iskoola Pota"/>
+        <a:font script="Mong" typeface="Mongolian Baiti"/>
+        <a:font script="Viet" typeface="Times New Roman"/>
+        <a:font script="Uigh" typeface="Microsoft Uighur"/>
+        <a:font script="Geor" typeface="Sylfaen"/>
+      </a:majorFont>
+      <a:minorFont>
+        <a:latin typeface="Calibri"/>
+        <a:ea typeface=""/>
+        <a:cs typeface=""/>
+        <a:font script="Jpan" typeface="游ゴシック"/>
+        <a:font script="Hang" typeface="맑은 고딕"/>
+        <a:font script="Hans" typeface="等线"/>
+        <a:font script="Hant" typeface="新細明體"/>
+        <a:font script="Arab" typeface="Arial"/>
+        <a:font script="Hebr" typeface="Arial"/>
+        <a:font script="Thai" typeface="Cordia New"/>
+        <a:font script="Ethi" typeface="Nyala"/>
+        <a:font script="Beng" typeface="Vrinda"/>
+        <a:font script="Gujr" typeface="Shruti"/>
+        <a:font script="Khmr" typeface="DaunPenh"/>
+        <a:font script="Knda" typeface="Tunga"/>
+        <a:font script="Guru" typeface="Raavi"/>
+        <a:font script="Cans" typeface="Euphemia"/>
+        <a:font script="Cher" typeface="Plantagenet Cherokee"/>
+        <a:font script="Yiii" typeface="Microsoft Yi Baiti"/>
+        <a:font script="Tibt" typeface="Microsoft Himalaya"/>
+        <a:font script="Thaa" typeface="MV Boli"/>
+        <a:font script="Deva" typeface="Mangal"/>
+        <a:font script="Telu" typeface="Gautami"/>
+        <a:font script="Taml" typeface="Latha"/>
+        <a:font script="Syrc" typeface="Estrangelo Edessa"/>
+        <a:font script="Orya" typeface="Kalinga"/>
+        <a:font script="Mlym" typeface="Kartika"/>
+        <a:font script="Laoo" typeface="DokChampa"/>
+        <a:font script="Sinh" typeface="Iskoola Pota"/>
+        <a:font script="Mong" typeface="Mongolian Baiti"/>
+        <a:font script="Viet" typeface="Arial"/>
+        <a:font script="Uigh" typeface="Microsoft Uighur"/>
+        <a:font script="Geor" typeface="Sylfaen"/>
+      </a:minorFont>
+    </a:fontScheme>
+    <a:fmtScheme name="Office">
+      <a:fillStyleLst>
+        <a:solidFill>
+          <a:schemeClr val="phClr"/>
+        </a:solidFill>
+        <a:gradFill rotWithShape="1">
+          <a:gsLst>
+            <a:gs pos="0">
+              <a:schemeClr val="phClr">
+                <a:lumMod val="110000"/>
+                <a:satMod val="105000"/>
+                <a:tint val="67000"/>
+              </a:schemeClr>
+            </a:gs>
+            <a:gs pos="50000">
+              <a:schemeClr val="phClr">
+                <a:lumMod val="105000"/>
+                <a:satMod val="103000"/>
+                <a:tint val="73000"/>
+              </a:schemeClr>
+            </a:gs>
+            <a:gs pos="100000">
+              <a:schemeClr val="phClr">
+                <a:lumMod val="105000"/>
+                <a:satMod val="109000"/>
+                <a:tint val="81000"/>
+              </a:schemeClr>
+            </a:gs>
+          </a:gsLst>
+          <a:lin ang="5400000" scaled="0"/>
+        </a:gradFill>
+        <a:gradFill rotWithShape="1">
+          <a:gsLst>
+            <a:gs pos="0">
+              <a:schemeClr val="phClr">
+                <a:satMod val="103000"/>
+                <a:lumMod val="102000"/>
+                <a:tint val="94000"/>
+              </a:schemeClr>
+            </a:gs>
+            <a:gs pos="50000">
+              <a:schemeClr val="phClr">
+                <a:satMod val="110000"/>
+                <a:lumMod val="100000"/>
+                <a:shade val="100000"/>
+              </a:schemeClr>
+            </a:gs>
+            <a:gs pos="100000">
+              <a:schemeClr val="phClr">
+                <a:lumMod val="99000"/>
+                <a:satMod val="120000"/>
+                <a:shade val="78000"/>
+              </a:schemeClr>
+            </a:gs>
+          </a:gsLst>
+          <a:lin ang="5400000" scaled="0"/>
+        </a:gradFill>
+      </a:fillStyleLst>
+      <a:lnStyleLst>
+        <a:ln w="6350" cap="flat" cmpd="sng" algn="ctr">
+          <a:solidFill>
+            <a:schemeClr val="phClr"/>
+          </a:solidFill>
+          <a:prstDash val="solid"/>
+          <a:miter lim="800000"/>
+        </a:ln>
+        <a:ln w="12700" cap="flat" cmpd="sng" algn="ctr">
+          <a:solidFill>
+            <a:schemeClr val="phClr"/>
+          </a:solidFill>
+          <a:prstDash val="solid"/>
+          <a:miter lim="800000"/>
+        </a:ln>
+        <a:ln w="19050" cap="flat" cmpd="sng" algn="ctr">
+          <a:solidFill>
+            <a:schemeClr val="phClr"/>
+          </a:solidFill>
+          <a:prstDash val="solid"/>
+          <a:miter lim="800000"/>
+        </a:ln>
+      </a:lnStyleLst>
+      <a:effectStyleLst>
+        <a:effectStyle>
+          <a:effectLst/>
+        </a:effectStyle>
+        <a:effectStyle>
+          <a:effectLst/>
+        </a:effectStyle>
+        <a:effectStyle>
+          <a:effectLst>
+            <a:outerShdw blurRad="57150" dist="19050" dir="5400000" algn="ctr" rotWithShape="0">
+              <a:srgbClr val="000000">
+                <a:alpha val="63000"/>
+              </a:srgbClr>
+            </a:outerShdw>
+          </a:effectLst>
+        </a:effectStyle>
+      </a:effectStyleLst>
+      <a:bgFillStyleLst>
+        <a:solidFill>
+          <a:schemeClr val="phClr"/>
+        </a:solidFill>
+        <a:solidFill>
+          <a:schemeClr val="phClr">
+            <a:tint val="95000"/>
+            <a:satMod val="170000"/>
+          </a:schemeClr>
+        </a:solidFill>
+        <a:gradFill rotWithShape="1">
+          <a:gsLst>
+            <a:gs pos="0">
+              <a:schemeClr val="phClr">
+                <a:tint val="93000"/>
+                <a:satMod val="150000"/>
+                <a:shade val="98000"/>
+                <a:lumMod val="102000"/>
+              </a:schemeClr>
+            </a:gs>
+            <a:gs pos="50000">
+              <a:schemeClr val="phClr">
+                <a:tint val="98000"/>
+                <a:satMod val="130000"/>
+                <a:shade val="90000"/>
+                <a:lumMod val="103000"/>
+              </a:schemeClr>
+            </a:gs>
+            <a:gs pos="100000">
+              <a:schemeClr val="phClr">
+                <a:shade val="63000"/>
+                <a:satMod val="120000"/>
+              </a:schemeClr>
+            </a:gs>
+          </a:gsLst>
+          <a:lin ang="5400000" scaled="0"/>
+        </a:gradFill>
+      </a:bgFillStyleLst>
+    </a:fmtScheme>
+  </a:themeElements>
   <a:extLst>
     <a:ext uri="{05A4C25C-085E-4340-85A3-A5531E510DB2}">
       <thm15:themeFamily xmlns:thm15="http://schemas.microsoft.com/office/thememl/2012/main" name="Office Theme" id="{62F939B6-93AF-4DB8-9C6B-D6C7DFDC589F}" vid="{4A3C46E8-61CC-4603-A589-7422A47A8E4A}"/>
